--- a/final_presentation.pptx
+++ b/final_presentation.pptx
@@ -293,7 +293,7 @@
           <a:p>
             <a:fld id="{5E1A2D3E-0DA3-C242-BA4D-5E529AA8D9B1}" type="datetimeFigureOut">
               <a:rPr kumimoji="1" lang="zh-TW" altLang="en-US" smtClean="0"/>
-              <a:t>2014/1/12</a:t>
+              <a:t>2014/1/13</a:t>
             </a:fld>
             <a:endParaRPr kumimoji="1" lang="zh-TW" altLang="en-US"/>
           </a:p>
@@ -463,7 +463,7 @@
           <a:p>
             <a:fld id="{5E1A2D3E-0DA3-C242-BA4D-5E529AA8D9B1}" type="datetimeFigureOut">
               <a:rPr kumimoji="1" lang="zh-TW" altLang="en-US" smtClean="0"/>
-              <a:t>2014/1/12</a:t>
+              <a:t>2014/1/13</a:t>
             </a:fld>
             <a:endParaRPr kumimoji="1" lang="zh-TW" altLang="en-US"/>
           </a:p>
@@ -643,7 +643,7 @@
           <a:p>
             <a:fld id="{5E1A2D3E-0DA3-C242-BA4D-5E529AA8D9B1}" type="datetimeFigureOut">
               <a:rPr kumimoji="1" lang="zh-TW" altLang="en-US" smtClean="0"/>
-              <a:t>2014/1/12</a:t>
+              <a:t>2014/1/13</a:t>
             </a:fld>
             <a:endParaRPr kumimoji="1" lang="zh-TW" altLang="en-US"/>
           </a:p>
@@ -813,7 +813,7 @@
           <a:p>
             <a:fld id="{5E1A2D3E-0DA3-C242-BA4D-5E529AA8D9B1}" type="datetimeFigureOut">
               <a:rPr kumimoji="1" lang="zh-TW" altLang="en-US" smtClean="0"/>
-              <a:t>2014/1/12</a:t>
+              <a:t>2014/1/13</a:t>
             </a:fld>
             <a:endParaRPr kumimoji="1" lang="zh-TW" altLang="en-US"/>
           </a:p>
@@ -1059,7 +1059,7 @@
           <a:p>
             <a:fld id="{5E1A2D3E-0DA3-C242-BA4D-5E529AA8D9B1}" type="datetimeFigureOut">
               <a:rPr kumimoji="1" lang="zh-TW" altLang="en-US" smtClean="0"/>
-              <a:t>2014/1/12</a:t>
+              <a:t>2014/1/13</a:t>
             </a:fld>
             <a:endParaRPr kumimoji="1" lang="zh-TW" altLang="en-US"/>
           </a:p>
@@ -1347,7 +1347,7 @@
           <a:p>
             <a:fld id="{5E1A2D3E-0DA3-C242-BA4D-5E529AA8D9B1}" type="datetimeFigureOut">
               <a:rPr kumimoji="1" lang="zh-TW" altLang="en-US" smtClean="0"/>
-              <a:t>2014/1/12</a:t>
+              <a:t>2014/1/13</a:t>
             </a:fld>
             <a:endParaRPr kumimoji="1" lang="zh-TW" altLang="en-US"/>
           </a:p>
@@ -1769,7 +1769,7 @@
           <a:p>
             <a:fld id="{5E1A2D3E-0DA3-C242-BA4D-5E529AA8D9B1}" type="datetimeFigureOut">
               <a:rPr kumimoji="1" lang="zh-TW" altLang="en-US" smtClean="0"/>
-              <a:t>2014/1/12</a:t>
+              <a:t>2014/1/13</a:t>
             </a:fld>
             <a:endParaRPr kumimoji="1" lang="zh-TW" altLang="en-US"/>
           </a:p>
@@ -1887,7 +1887,7 @@
           <a:p>
             <a:fld id="{5E1A2D3E-0DA3-C242-BA4D-5E529AA8D9B1}" type="datetimeFigureOut">
               <a:rPr kumimoji="1" lang="zh-TW" altLang="en-US" smtClean="0"/>
-              <a:t>2014/1/12</a:t>
+              <a:t>2014/1/13</a:t>
             </a:fld>
             <a:endParaRPr kumimoji="1" lang="zh-TW" altLang="en-US"/>
           </a:p>
@@ -1982,7 +1982,7 @@
           <a:p>
             <a:fld id="{5E1A2D3E-0DA3-C242-BA4D-5E529AA8D9B1}" type="datetimeFigureOut">
               <a:rPr kumimoji="1" lang="zh-TW" altLang="en-US" smtClean="0"/>
-              <a:t>2014/1/12</a:t>
+              <a:t>2014/1/13</a:t>
             </a:fld>
             <a:endParaRPr kumimoji="1" lang="zh-TW" altLang="en-US"/>
           </a:p>
@@ -2259,7 +2259,7 @@
           <a:p>
             <a:fld id="{5E1A2D3E-0DA3-C242-BA4D-5E529AA8D9B1}" type="datetimeFigureOut">
               <a:rPr kumimoji="1" lang="zh-TW" altLang="en-US" smtClean="0"/>
-              <a:t>2014/1/12</a:t>
+              <a:t>2014/1/13</a:t>
             </a:fld>
             <a:endParaRPr kumimoji="1" lang="zh-TW" altLang="en-US"/>
           </a:p>
@@ -2512,7 +2512,7 @@
           <a:p>
             <a:fld id="{5E1A2D3E-0DA3-C242-BA4D-5E529AA8D9B1}" type="datetimeFigureOut">
               <a:rPr kumimoji="1" lang="zh-TW" altLang="en-US" smtClean="0"/>
-              <a:t>2014/1/12</a:t>
+              <a:t>2014/1/13</a:t>
             </a:fld>
             <a:endParaRPr kumimoji="1" lang="zh-TW" altLang="en-US"/>
           </a:p>
@@ -2725,7 +2725,7 @@
           <a:p>
             <a:fld id="{5E1A2D3E-0DA3-C242-BA4D-5E529AA8D9B1}" type="datetimeFigureOut">
               <a:rPr kumimoji="1" lang="zh-TW" altLang="en-US" smtClean="0"/>
-              <a:t>2014/1/12</a:t>
+              <a:t>2014/1/13</a:t>
             </a:fld>
             <a:endParaRPr kumimoji="1" lang="zh-TW" altLang="en-US"/>
           </a:p>
@@ -3200,7 +3200,7 @@
         <p:spPr/>
         <p:txBody>
           <a:bodyPr>
-            <a:normAutofit fontScale="92500" lnSpcReduction="10000"/>
+            <a:normAutofit fontScale="85000" lnSpcReduction="20000"/>
           </a:bodyPr>
           <a:lstStyle/>
           <a:p>
@@ -3259,18 +3259,7 @@
                 <a:ea typeface="Apple LiGothic Medium"/>
                 <a:cs typeface="Apple LiGothic Medium"/>
               </a:rPr>
-              <a:t> </a:t>
-            </a:r>
-            <a:r>
-              <a:rPr kumimoji="1" lang="en-US" altLang="zh-TW" dirty="0" smtClean="0">
-                <a:solidFill>
-                  <a:srgbClr val="632430"/>
-                </a:solidFill>
-                <a:latin typeface="Apple LiGothic Medium"/>
-                <a:ea typeface="Apple LiGothic Medium"/>
-                <a:cs typeface="Apple LiGothic Medium"/>
-              </a:rPr>
-              <a:t>5 </a:t>
+              <a:t> 5 </a:t>
             </a:r>
             <a:r>
               <a:rPr kumimoji="1" lang="zh-TW" altLang="en-US" dirty="0" smtClean="0">
@@ -3460,7 +3449,7 @@
                 <a:ea typeface="Apple LiGothic Medium"/>
                 <a:cs typeface="Apple LiGothic Medium"/>
               </a:rPr>
-              <a:t>	</a:t>
+              <a:t>	 </a:t>
             </a:r>
             <a:r>
               <a:rPr kumimoji="1" lang="en-US" altLang="zh-TW" sz="2400" dirty="0" smtClean="0">
@@ -3471,7 +3460,7 @@
                 <a:ea typeface="Apple LiGothic Medium"/>
                 <a:cs typeface="Apple LiGothic Medium"/>
               </a:rPr>
-              <a:t>	=&gt; 3 </a:t>
+              <a:t>   =&gt; 3 </a:t>
             </a:r>
             <a:r>
               <a:rPr kumimoji="1" lang="zh-TW" altLang="en-US" sz="2400" dirty="0" smtClean="0">
@@ -3509,7 +3498,7 @@
                 <a:ea typeface="Apple LiGothic Medium"/>
                 <a:cs typeface="Apple LiGothic Medium"/>
               </a:rPr>
-              <a:t>	</a:t>
+              <a:t>	 </a:t>
             </a:r>
             <a:r>
               <a:rPr kumimoji="1" lang="en-US" altLang="zh-TW" sz="2400" dirty="0" smtClean="0">
@@ -3520,7 +3509,7 @@
                 <a:ea typeface="Apple LiGothic Medium"/>
                 <a:cs typeface="Apple LiGothic Medium"/>
               </a:rPr>
-              <a:t>	=&gt; 1 </a:t>
+              <a:t>   =&gt; 1 </a:t>
             </a:r>
             <a:r>
               <a:rPr kumimoji="1" lang="zh-TW" altLang="en-US" sz="2400" dirty="0" smtClean="0">
@@ -3569,7 +3558,7 @@
                 <a:ea typeface="Apple LiGothic Medium"/>
                 <a:cs typeface="Apple LiGothic Medium"/>
               </a:rPr>
-              <a:t>	</a:t>
+              <a:t>	 </a:t>
             </a:r>
             <a:r>
               <a:rPr kumimoji="1" lang="en-US" altLang="zh-TW" sz="2400" dirty="0" smtClean="0">
@@ -3580,7 +3569,7 @@
                 <a:ea typeface="Apple LiGothic Medium"/>
                 <a:cs typeface="Apple LiGothic Medium"/>
               </a:rPr>
-              <a:t>	=&gt; 3 </a:t>
+              <a:t>   =&gt; 3 </a:t>
             </a:r>
             <a:r>
               <a:rPr kumimoji="1" lang="zh-TW" altLang="en-US" sz="2400" dirty="0" smtClean="0">
@@ -3639,8 +3628,221 @@
                 <a:ea typeface="Apple LiGothic Medium"/>
                 <a:cs typeface="Apple LiGothic Medium"/>
               </a:rPr>
-              <a:t> Special “One”</a:t>
-            </a:r>
+              <a:t>Special “One</a:t>
+            </a:r>
+            <a:r>
+              <a:rPr kumimoji="1" lang="en-US" altLang="zh-TW" dirty="0" smtClean="0">
+                <a:solidFill>
+                  <a:srgbClr val="632430"/>
+                </a:solidFill>
+                <a:latin typeface="Apple LiGothic Medium"/>
+                <a:ea typeface="Apple LiGothic Medium"/>
+                <a:cs typeface="Apple LiGothic Medium"/>
+              </a:rPr>
+              <a:t>”</a:t>
+            </a:r>
+          </a:p>
+          <a:p>
+            <a:pPr marL="0" indent="0">
+              <a:buNone/>
+            </a:pPr>
+            <a:r>
+              <a:rPr kumimoji="1" lang="en-US" altLang="zh-TW" dirty="0" smtClean="0">
+                <a:solidFill>
+                  <a:srgbClr val="632430"/>
+                </a:solidFill>
+                <a:latin typeface="Apple LiGothic Medium"/>
+                <a:ea typeface="Apple LiGothic Medium"/>
+                <a:cs typeface="Apple LiGothic Medium"/>
+              </a:rPr>
+              <a:t>   </a:t>
+            </a:r>
+            <a:r>
+              <a:rPr kumimoji="1" lang="en-US" altLang="zh-TW" sz="2400" dirty="0" smtClean="0">
+                <a:solidFill>
+                  <a:srgbClr val="632430"/>
+                </a:solidFill>
+                <a:latin typeface="Apple LiGothic Medium"/>
+                <a:ea typeface="Apple LiGothic Medium"/>
+                <a:cs typeface="Apple LiGothic Medium"/>
+              </a:rPr>
+              <a:t>ex. No yell one, </a:t>
+            </a:r>
+            <a:r>
+              <a:rPr kumimoji="1" lang="zh-TW" altLang="en-US" sz="2400" dirty="0" smtClean="0">
+                <a:solidFill>
+                  <a:srgbClr val="632430"/>
+                </a:solidFill>
+                <a:latin typeface="Apple LiGothic Medium"/>
+                <a:ea typeface="Apple LiGothic Medium"/>
+                <a:cs typeface="Apple LiGothic Medium"/>
+              </a:rPr>
+              <a:t>實際</a:t>
+            </a:r>
+            <a:r>
+              <a:rPr kumimoji="1" lang="en-US" altLang="zh-TW" sz="2400" dirty="0" smtClean="0">
+                <a:solidFill>
+                  <a:srgbClr val="632430"/>
+                </a:solidFill>
+                <a:latin typeface="Apple LiGothic Medium"/>
+                <a:ea typeface="Apple LiGothic Medium"/>
+                <a:cs typeface="Apple LiGothic Medium"/>
+              </a:rPr>
+              <a:t> 2 </a:t>
+            </a:r>
+            <a:r>
+              <a:rPr kumimoji="1" lang="zh-TW" altLang="en-US" sz="2400" dirty="0" smtClean="0">
+                <a:solidFill>
+                  <a:srgbClr val="632430"/>
+                </a:solidFill>
+                <a:latin typeface="Apple LiGothic Medium"/>
+                <a:ea typeface="Apple LiGothic Medium"/>
+                <a:cs typeface="Apple LiGothic Medium"/>
+              </a:rPr>
+              <a:t>個</a:t>
+            </a:r>
+            <a:r>
+              <a:rPr kumimoji="1" lang="en-US" altLang="zh-TW" sz="2400" dirty="0" smtClean="0">
+                <a:solidFill>
+                  <a:srgbClr val="632430"/>
+                </a:solidFill>
+                <a:latin typeface="Apple LiGothic Medium"/>
+                <a:ea typeface="Apple LiGothic Medium"/>
+                <a:cs typeface="Apple LiGothic Medium"/>
+              </a:rPr>
+              <a:t> 5, 2 </a:t>
+            </a:r>
+            <a:r>
+              <a:rPr kumimoji="1" lang="zh-TW" altLang="en-US" sz="2400" dirty="0" smtClean="0">
+                <a:solidFill>
+                  <a:srgbClr val="632430"/>
+                </a:solidFill>
+                <a:latin typeface="Apple LiGothic Medium"/>
+                <a:ea typeface="Apple LiGothic Medium"/>
+                <a:cs typeface="Apple LiGothic Medium"/>
+              </a:rPr>
+              <a:t>個</a:t>
+            </a:r>
+            <a:r>
+              <a:rPr kumimoji="1" lang="en-US" altLang="zh-TW" sz="2400" dirty="0" smtClean="0">
+                <a:solidFill>
+                  <a:srgbClr val="632430"/>
+                </a:solidFill>
+                <a:latin typeface="Apple LiGothic Medium"/>
+                <a:ea typeface="Apple LiGothic Medium"/>
+                <a:cs typeface="Apple LiGothic Medium"/>
+              </a:rPr>
+              <a:t> 1, </a:t>
+            </a:r>
+            <a:r>
+              <a:rPr kumimoji="1" lang="zh-TW" altLang="en-US" sz="2400" dirty="0" smtClean="0">
+                <a:solidFill>
+                  <a:srgbClr val="632430"/>
+                </a:solidFill>
+                <a:latin typeface="Apple LiGothic Medium"/>
+                <a:ea typeface="Apple LiGothic Medium"/>
+                <a:cs typeface="Apple LiGothic Medium"/>
+              </a:rPr>
+              <a:t>抓“</a:t>
+            </a:r>
+            <a:r>
+              <a:rPr kumimoji="1" lang="en-US" altLang="zh-TW" sz="2400" dirty="0" smtClean="0">
+                <a:solidFill>
+                  <a:srgbClr val="632430"/>
+                </a:solidFill>
+                <a:latin typeface="Apple LiGothic Medium"/>
+                <a:ea typeface="Apple LiGothic Medium"/>
+                <a:cs typeface="Apple LiGothic Medium"/>
+              </a:rPr>
+              <a:t>3 </a:t>
+            </a:r>
+            <a:r>
+              <a:rPr kumimoji="1" lang="zh-TW" altLang="en-US" sz="2400" dirty="0" smtClean="0">
+                <a:solidFill>
+                  <a:srgbClr val="632430"/>
+                </a:solidFill>
+                <a:latin typeface="Apple LiGothic Medium"/>
+                <a:ea typeface="Apple LiGothic Medium"/>
+                <a:cs typeface="Apple LiGothic Medium"/>
+              </a:rPr>
+              <a:t>個</a:t>
+            </a:r>
+            <a:r>
+              <a:rPr kumimoji="1" lang="en-US" altLang="zh-TW" sz="2400" dirty="0" smtClean="0">
+                <a:solidFill>
+                  <a:srgbClr val="632430"/>
+                </a:solidFill>
+                <a:latin typeface="Apple LiGothic Medium"/>
+                <a:ea typeface="Apple LiGothic Medium"/>
+                <a:cs typeface="Apple LiGothic Medium"/>
+              </a:rPr>
+              <a:t> 5</a:t>
+            </a:r>
+            <a:r>
+              <a:rPr kumimoji="1" lang="zh-TW" altLang="en-US" sz="2400" dirty="0" smtClean="0">
+                <a:solidFill>
+                  <a:srgbClr val="632430"/>
+                </a:solidFill>
+                <a:latin typeface="Apple LiGothic Medium"/>
+                <a:ea typeface="Apple LiGothic Medium"/>
+                <a:cs typeface="Apple LiGothic Medium"/>
+              </a:rPr>
+              <a:t>”</a:t>
+            </a:r>
+            <a:endParaRPr kumimoji="1" lang="en-US" altLang="zh-TW" sz="2400" dirty="0" smtClean="0">
+              <a:solidFill>
+                <a:srgbClr val="632430"/>
+              </a:solidFill>
+              <a:latin typeface="Apple LiGothic Medium"/>
+              <a:ea typeface="Apple LiGothic Medium"/>
+              <a:cs typeface="Apple LiGothic Medium"/>
+            </a:endParaRPr>
+          </a:p>
+          <a:p>
+            <a:pPr marL="0" indent="0">
+              <a:buNone/>
+            </a:pPr>
+            <a:r>
+              <a:rPr kumimoji="1" lang="en-US" altLang="zh-TW" sz="2400" dirty="0">
+                <a:solidFill>
+                  <a:srgbClr val="632430"/>
+                </a:solidFill>
+                <a:latin typeface="Apple LiGothic Medium"/>
+                <a:ea typeface="Apple LiGothic Medium"/>
+                <a:cs typeface="Apple LiGothic Medium"/>
+              </a:rPr>
+              <a:t>	 </a:t>
+            </a:r>
+            <a:r>
+              <a:rPr kumimoji="1" lang="en-US" altLang="zh-TW" sz="2400" dirty="0" smtClean="0">
+                <a:solidFill>
+                  <a:srgbClr val="632430"/>
+                </a:solidFill>
+                <a:latin typeface="Apple LiGothic Medium"/>
+                <a:ea typeface="Apple LiGothic Medium"/>
+                <a:cs typeface="Apple LiGothic Medium"/>
+              </a:rPr>
+              <a:t>  =&gt; </a:t>
+            </a:r>
+            <a:r>
+              <a:rPr kumimoji="1" lang="zh-TW" altLang="en-US" sz="2400" dirty="0" smtClean="0">
+                <a:solidFill>
+                  <a:srgbClr val="632430"/>
+                </a:solidFill>
+                <a:latin typeface="Apple LiGothic Medium"/>
+                <a:ea typeface="Apple LiGothic Medium"/>
+                <a:cs typeface="Apple LiGothic Medium"/>
+              </a:rPr>
+              <a:t>被抓的人贏，抓的人輸</a:t>
+            </a:r>
+            <a:endParaRPr kumimoji="1" lang="en-US" altLang="zh-TW" sz="2400" dirty="0" smtClean="0">
+              <a:solidFill>
+                <a:srgbClr val="632430"/>
+              </a:solidFill>
+              <a:latin typeface="Apple LiGothic Medium"/>
+              <a:ea typeface="Apple LiGothic Medium"/>
+              <a:cs typeface="Apple LiGothic Medium"/>
+            </a:endParaRPr>
           </a:p>
           <a:p>
             <a:endParaRPr kumimoji="1" lang="zh-TW" altLang="en-US" dirty="0">
